--- a/Homework/HW7/pic/7.3.pptx
+++ b/Homework/HW7/pic/7.3.pptx
@@ -106,6 +106,11 @@
       </a:defRPr>
     </a:lvl9pPr>
   </p:defaultTextStyle>
+  <p:extLst>
+    <p:ext uri="{EFAFB233-063F-42B5-8137-9DF3F51BA10A}">
+      <p15:sldGuideLst xmlns:p15="http://schemas.microsoft.com/office/powerpoint/2012/main"/>
+    </p:ext>
+  </p:extLst>
 </p:presentation>
 </file>
 
@@ -2975,7 +2980,7 @@
           <p:nvPr>
             <p:extLst>
               <p:ext uri="{D42A27DB-BD31-4B8C-83A1-F6EECF244321}">
-                <p14:modId xmlns:p14="http://schemas.microsoft.com/office/powerpoint/2010/main" val="1545549140"/>
+                <p14:modId xmlns:p14="http://schemas.microsoft.com/office/powerpoint/2010/main" val="2016852385"/>
               </p:ext>
             </p:extLst>
           </p:nvPr>
@@ -4888,8 +4893,8 @@
                     <a:lstStyle/>
                     <a:p>
                       <a:r>
-                        <a:rPr lang="zh-CN" altLang="en-US" dirty="0" smtClean="0"/>
-                        <a:t>∞</a:t>
+                        <a:rPr lang="en-US" altLang="zh-CN" dirty="0" smtClean="0"/>
+                        <a:t>5</a:t>
                       </a:r>
                       <a:endParaRPr lang="zh-CN" altLang="en-US" dirty="0"/>
                     </a:p>
